--- a/PHP期末報告.pptx
+++ b/PHP期末報告.pptx
@@ -4315,14 +4315,7 @@
                 <a:latin typeface="微軟正黑體" panose="020B0604030504040204" pitchFamily="34" charset="-120"/>
                 <a:ea typeface="微軟正黑體" panose="020B0604030504040204" pitchFamily="34" charset="-120"/>
               </a:rPr>
-              <a:t>跟使用者資料一樣</a:t>
-            </a:r>
-            <a:r>
-              <a:rPr lang="zh-TW" altLang="en-US" dirty="0" smtClean="0">
-                <a:latin typeface="微軟正黑體" panose="020B0604030504040204" pitchFamily="34" charset="-120"/>
-                <a:ea typeface="微軟正黑體" panose="020B0604030504040204" pitchFamily="34" charset="-120"/>
-              </a:rPr>
-              <a:t>我使用</a:t>
+              <a:t>跟使用者資料一樣我使用</a:t>
             </a:r>
             <a:r>
               <a:rPr lang="en-US" altLang="zh-TW" dirty="0" smtClean="0">
@@ -5347,35 +5340,49 @@
                 <a:latin typeface="微軟正黑體" panose="020B0604030504040204" pitchFamily="34" charset="-120"/>
                 <a:ea typeface="微軟正黑體" panose="020B0604030504040204" pitchFamily="34" charset="-120"/>
               </a:rPr>
-              <a:t>網站架設、網站整體功能編寫</a:t>
-            </a:r>
-            <a:r>
-              <a:rPr lang="zh-TW" altLang="en-US" dirty="0" smtClean="0">
-                <a:latin typeface="微軟正黑體" panose="020B0604030504040204" pitchFamily="34" charset="-120"/>
-                <a:ea typeface="微軟正黑體" panose="020B0604030504040204" pitchFamily="34" charset="-120"/>
-              </a:rPr>
-              <a:t>、</a:t>
+              <a:t>網站架設、網站整體功能編寫、</a:t>
             </a:r>
             <a:r>
               <a:rPr lang="en-US" altLang="zh-TW" dirty="0" smtClean="0">
                 <a:latin typeface="微軟正黑體" panose="020B0604030504040204" pitchFamily="34" charset="-120"/>
                 <a:ea typeface="微軟正黑體" panose="020B0604030504040204" pitchFamily="34" charset="-120"/>
               </a:rPr>
-              <a:t>ER/</a:t>
-            </a:r>
-            <a:r>
-              <a:rPr lang="en-US" altLang="zh-TW" dirty="0" smtClean="0">
-                <a:latin typeface="微軟正黑體" panose="020B0604030504040204" pitchFamily="34" charset="-120"/>
-                <a:ea typeface="微軟正黑體" panose="020B0604030504040204" pitchFamily="34" charset="-120"/>
-              </a:rPr>
-              <a:t>PTT</a:t>
-            </a:r>
-            <a:r>
-              <a:rPr lang="zh-TW" altLang="en-US" dirty="0" smtClean="0">
-                <a:latin typeface="微軟正黑體" panose="020B0604030504040204" pitchFamily="34" charset="-120"/>
-                <a:ea typeface="微軟正黑體" panose="020B0604030504040204" pitchFamily="34" charset="-120"/>
-              </a:rPr>
-              <a:t>重新製作 </a:t>
+              <a:t>ER/PTT</a:t>
+            </a:r>
+            <a:r>
+              <a:rPr lang="zh-TW" altLang="en-US" smtClean="0">
+                <a:latin typeface="微軟正黑體" panose="020B0604030504040204" pitchFamily="34" charset="-120"/>
+                <a:ea typeface="微軟正黑體" panose="020B0604030504040204" pitchFamily="34" charset="-120"/>
+              </a:rPr>
+              <a:t>重</a:t>
+            </a:r>
+            <a:r>
+              <a:rPr lang="zh-TW" altLang="en-US" smtClean="0">
+                <a:latin typeface="微軟正黑體" panose="020B0604030504040204" pitchFamily="34" charset="-120"/>
+                <a:ea typeface="微軟正黑體" panose="020B0604030504040204" pitchFamily="34" charset="-120"/>
+              </a:rPr>
+              <a:t>新</a:t>
+            </a:r>
+            <a:r>
+              <a:rPr lang="zh-TW" altLang="en-US" smtClean="0">
+                <a:latin typeface="微軟正黑體" panose="020B0604030504040204" pitchFamily="34" charset="-120"/>
+                <a:ea typeface="微軟正黑體" panose="020B0604030504040204" pitchFamily="34" charset="-120"/>
+              </a:rPr>
+              <a:t>規畫</a:t>
+            </a:r>
+            <a:r>
+              <a:rPr lang="zh-TW" altLang="en-US">
+                <a:latin typeface="微軟正黑體" panose="020B0604030504040204" pitchFamily="34" charset="-120"/>
+                <a:ea typeface="微軟正黑體" panose="020B0604030504040204" pitchFamily="34" charset="-120"/>
+              </a:rPr>
+              <a:t>製作</a:t>
+            </a:r>
+            <a:r>
+              <a:rPr lang="zh-TW" altLang="en-US" smtClean="0">
+                <a:latin typeface="微軟正黑體" panose="020B0604030504040204" pitchFamily="34" charset="-120"/>
+                <a:ea typeface="微軟正黑體" panose="020B0604030504040204" pitchFamily="34" charset="-120"/>
+              </a:rPr>
+              <a:t> </a:t>
             </a:r>
             <a:endParaRPr lang="en-US" altLang="zh-TW" dirty="0" smtClean="0">
               <a:latin typeface="微軟正黑體" panose="020B0604030504040204" pitchFamily="34" charset="-120"/>
@@ -5450,7 +5457,35 @@
                 <a:latin typeface="微軟正黑體" panose="020B0604030504040204" pitchFamily="34" charset="-120"/>
                 <a:ea typeface="微軟正黑體" panose="020B0604030504040204" pitchFamily="34" charset="-120"/>
               </a:rPr>
-              <a:t>留言部份代碼</a:t>
+              <a:t>留言部份代</a:t>
+            </a:r>
+            <a:r>
+              <a:rPr lang="zh-TW" altLang="en-US" dirty="0" smtClean="0">
+                <a:latin typeface="微軟正黑體" panose="020B0604030504040204" pitchFamily="34" charset="-120"/>
+                <a:ea typeface="微軟正黑體" panose="020B0604030504040204" pitchFamily="34" charset="-120"/>
+              </a:rPr>
+              <a:t>碼</a:t>
+            </a:r>
+            <a:r>
+              <a:rPr lang="en-US" altLang="zh-TW" dirty="0">
+                <a:latin typeface="微軟正黑體" panose="020B0604030504040204" pitchFamily="34" charset="-120"/>
+                <a:ea typeface="微軟正黑體" panose="020B0604030504040204" pitchFamily="34" charset="-120"/>
+              </a:rPr>
+              <a:t>, </a:t>
+            </a:r>
+            <a:r>
+              <a:rPr lang="en-US" altLang="zh-TW" dirty="0" smtClean="0">
+                <a:latin typeface="微軟正黑體" panose="020B0604030504040204" pitchFamily="34" charset="-120"/>
+                <a:ea typeface="微軟正黑體" panose="020B0604030504040204" pitchFamily="34" charset="-120"/>
+              </a:rPr>
+              <a:t>ER</a:t>
+            </a:r>
+            <a:r>
+              <a:rPr lang="zh-TW" altLang="en-US" dirty="0" smtClean="0">
+                <a:latin typeface="微軟正黑體" panose="020B0604030504040204" pitchFamily="34" charset="-120"/>
+                <a:ea typeface="微軟正黑體" panose="020B0604030504040204" pitchFamily="34" charset="-120"/>
+              </a:rPr>
+              <a:t>圖製作</a:t>
             </a:r>
             <a:endParaRPr lang="en-US" altLang="zh-TW" dirty="0" smtClean="0">
               <a:latin typeface="微軟正黑體" panose="020B0604030504040204" pitchFamily="34" charset="-120"/>
